--- a/offline/DistractionTask/Video/DistractionTaskInstructions_static.pptx
+++ b/offline/DistractionTask/Video/DistractionTaskInstructions_static.pptx
@@ -105,6 +105,11 @@
       </a:defRPr>
     </a:lvl9pPr>
   </p:defaultTextStyle>
+  <p:extLst>
+    <p:ext uri="{EFAFB233-063F-42B5-8137-9DF3F51BA10A}">
+      <p15:sldGuideLst xmlns:p15="http://schemas.microsoft.com/office/powerpoint/2012/main"/>
+    </p:ext>
+  </p:extLst>
 </p:presentation>
 </file>
 
@@ -239,7 +244,7 @@
           <a:p>
             <a:fld id="{7D83B275-9286-1247-AFB7-21962AF66796}" type="datetimeFigureOut">
               <a:rPr lang="en-US" smtClean="0"/>
-              <a:t>7/13/17</a:t>
+              <a:t>7/26/17</a:t>
             </a:fld>
             <a:endParaRPr lang="en-US"/>
           </a:p>
@@ -409,7 +414,7 @@
           <a:p>
             <a:fld id="{7D83B275-9286-1247-AFB7-21962AF66796}" type="datetimeFigureOut">
               <a:rPr lang="en-US" smtClean="0"/>
-              <a:t>7/13/17</a:t>
+              <a:t>7/26/17</a:t>
             </a:fld>
             <a:endParaRPr lang="en-US"/>
           </a:p>
@@ -589,7 +594,7 @@
           <a:p>
             <a:fld id="{7D83B275-9286-1247-AFB7-21962AF66796}" type="datetimeFigureOut">
               <a:rPr lang="en-US" smtClean="0"/>
-              <a:t>7/13/17</a:t>
+              <a:t>7/26/17</a:t>
             </a:fld>
             <a:endParaRPr lang="en-US"/>
           </a:p>
@@ -759,7 +764,7 @@
           <a:p>
             <a:fld id="{7D83B275-9286-1247-AFB7-21962AF66796}" type="datetimeFigureOut">
               <a:rPr lang="en-US" smtClean="0"/>
-              <a:t>7/13/17</a:t>
+              <a:t>7/26/17</a:t>
             </a:fld>
             <a:endParaRPr lang="en-US"/>
           </a:p>
@@ -1005,7 +1010,7 @@
           <a:p>
             <a:fld id="{7D83B275-9286-1247-AFB7-21962AF66796}" type="datetimeFigureOut">
               <a:rPr lang="en-US" smtClean="0"/>
-              <a:t>7/13/17</a:t>
+              <a:t>7/26/17</a:t>
             </a:fld>
             <a:endParaRPr lang="en-US"/>
           </a:p>
@@ -1237,7 +1242,7 @@
           <a:p>
             <a:fld id="{7D83B275-9286-1247-AFB7-21962AF66796}" type="datetimeFigureOut">
               <a:rPr lang="en-US" smtClean="0"/>
-              <a:t>7/13/17</a:t>
+              <a:t>7/26/17</a:t>
             </a:fld>
             <a:endParaRPr lang="en-US"/>
           </a:p>
@@ -1604,7 +1609,7 @@
           <a:p>
             <a:fld id="{7D83B275-9286-1247-AFB7-21962AF66796}" type="datetimeFigureOut">
               <a:rPr lang="en-US" smtClean="0"/>
-              <a:t>7/13/17</a:t>
+              <a:t>7/26/17</a:t>
             </a:fld>
             <a:endParaRPr lang="en-US"/>
           </a:p>
@@ -1722,7 +1727,7 @@
           <a:p>
             <a:fld id="{7D83B275-9286-1247-AFB7-21962AF66796}" type="datetimeFigureOut">
               <a:rPr lang="en-US" smtClean="0"/>
-              <a:t>7/13/17</a:t>
+              <a:t>7/26/17</a:t>
             </a:fld>
             <a:endParaRPr lang="en-US"/>
           </a:p>
@@ -1817,7 +1822,7 @@
           <a:p>
             <a:fld id="{7D83B275-9286-1247-AFB7-21962AF66796}" type="datetimeFigureOut">
               <a:rPr lang="en-US" smtClean="0"/>
-              <a:t>7/13/17</a:t>
+              <a:t>7/26/17</a:t>
             </a:fld>
             <a:endParaRPr lang="en-US"/>
           </a:p>
@@ -2094,7 +2099,7 @@
           <a:p>
             <a:fld id="{7D83B275-9286-1247-AFB7-21962AF66796}" type="datetimeFigureOut">
               <a:rPr lang="en-US" smtClean="0"/>
-              <a:t>7/13/17</a:t>
+              <a:t>7/26/17</a:t>
             </a:fld>
             <a:endParaRPr lang="en-US"/>
           </a:p>
@@ -2347,7 +2352,7 @@
           <a:p>
             <a:fld id="{7D83B275-9286-1247-AFB7-21962AF66796}" type="datetimeFigureOut">
               <a:rPr lang="en-US" smtClean="0"/>
-              <a:t>7/13/17</a:t>
+              <a:t>7/26/17</a:t>
             </a:fld>
             <a:endParaRPr lang="en-US"/>
           </a:p>
@@ -2560,7 +2565,7 @@
           <a:p>
             <a:fld id="{7D83B275-9286-1247-AFB7-21962AF66796}" type="datetimeFigureOut">
               <a:rPr lang="en-US" smtClean="0"/>
-              <a:t>7/13/17</a:t>
+              <a:t>7/26/17</a:t>
             </a:fld>
             <a:endParaRPr lang="en-US"/>
           </a:p>
@@ -3116,7 +3121,29 @@
                 <a:ea typeface="Helvetica Neue" charset="0"/>
                 <a:cs typeface="Helvetica Neue" charset="0"/>
               </a:rPr>
-              <a:t>You will now play a memory game.  You will see 5 symbols in a grid.  Remember the symbols and their positions.  You have 30 seconds to memorise them.</a:t>
+              <a:t>You will now play a memory game.  You will see 5 symbols in a grid.  Remember the symbols and their positions.  You have </a:t>
+            </a:r>
+            <a:r>
+              <a:rPr lang="en-US" sz="2400" dirty="0" smtClean="0">
+                <a:solidFill>
+                  <a:srgbClr val="000000"/>
+                </a:solidFill>
+                <a:latin typeface="Helvetica Neue" charset="0"/>
+                <a:ea typeface="Helvetica Neue" charset="0"/>
+                <a:cs typeface="Helvetica Neue" charset="0"/>
+              </a:rPr>
+              <a:t>20 </a:t>
+            </a:r>
+            <a:r>
+              <a:rPr lang="en-US" sz="2400" dirty="0" smtClean="0">
+                <a:solidFill>
+                  <a:srgbClr val="000000"/>
+                </a:solidFill>
+                <a:latin typeface="Helvetica Neue" charset="0"/>
+                <a:ea typeface="Helvetica Neue" charset="0"/>
+                <a:cs typeface="Helvetica Neue" charset="0"/>
+              </a:rPr>
+              <a:t>seconds to memorise them.</a:t>
             </a:r>
           </a:p>
           <a:p>
@@ -3258,7 +3285,29 @@
                 <a:ea typeface="Helvetica Neue" charset="0"/>
                 <a:cs typeface="Helvetica Neue" charset="0"/>
               </a:rPr>
-              <a:t>You will play 3 rounds of the game. Try to be as accurate as possible!</a:t>
+              <a:t>You will play </a:t>
+            </a:r>
+            <a:r>
+              <a:rPr lang="en-US" sz="2400" dirty="0" smtClean="0">
+                <a:solidFill>
+                  <a:srgbClr val="000000"/>
+                </a:solidFill>
+                <a:latin typeface="Helvetica Neue" charset="0"/>
+                <a:ea typeface="Helvetica Neue" charset="0"/>
+                <a:cs typeface="Helvetica Neue" charset="0"/>
+              </a:rPr>
+              <a:t>4 </a:t>
+            </a:r>
+            <a:r>
+              <a:rPr lang="en-US" sz="2400" dirty="0" smtClean="0">
+                <a:solidFill>
+                  <a:srgbClr val="000000"/>
+                </a:solidFill>
+                <a:latin typeface="Helvetica Neue" charset="0"/>
+                <a:ea typeface="Helvetica Neue" charset="0"/>
+                <a:cs typeface="Helvetica Neue" charset="0"/>
+              </a:rPr>
+              <a:t>rounds of the game. Try to be as accurate as possible!</a:t>
             </a:r>
             <a:endParaRPr lang="en-US" sz="2400" dirty="0">
               <a:solidFill>
